--- a/Big Mountain Slide Deck.pptx
+++ b/Big Mountain Slide Deck.pptx
@@ -15,18 +15,21 @@
     <p:sldId id="260" r:id="rId10"/>
     <p:sldId id="261" r:id="rId11"/>
     <p:sldId id="262" r:id="rId12"/>
+    <p:sldId id="263" r:id="rId13"/>
+    <p:sldId id="264" r:id="rId14"/>
+    <p:sldId id="265" r:id="rId15"/>
   </p:sldIdLst>
   <p:sldSz cy="5143500" cx="9144000"/>
   <p:notesSz cx="6858000" cy="9144000"/>
   <p:embeddedFontLst>
     <p:embeddedFont>
       <p:font typeface="Average"/>
-      <p:regular r:id="rId13"/>
+      <p:regular r:id="rId16"/>
     </p:embeddedFont>
     <p:embeddedFont>
       <p:font typeface="Oswald"/>
-      <p:regular r:id="rId14"/>
-      <p:bold r:id="rId15"/>
+      <p:regular r:id="rId17"/>
+      <p:bold r:id="rId18"/>
     </p:embeddedFont>
   </p:embeddedFontLst>
   <p:defaultTextStyle>
@@ -802,6 +805,105 @@
 </p:notes>
 </file>
 
+<file path=ppt/notesSlides/notesSlide10.xml><?xml version="1.0" encoding="utf-8"?>
+<p:notes xmlns:a="http://schemas.openxmlformats.org/drawingml/2006/main" xmlns:r="http://schemas.openxmlformats.org/officeDocument/2006/relationships" xmlns:mc="http://schemas.openxmlformats.org/markup-compatibility/2006" xmlns:mv="urn:schemas-microsoft-com:mac:vml" xmlns:p="http://schemas.openxmlformats.org/presentationml/2006/main" xmlns:c="http://schemas.openxmlformats.org/drawingml/2006/chart" xmlns:dgm="http://schemas.openxmlformats.org/drawingml/2006/diagram" xmlns:o="urn:schemas-microsoft-com:office:office" xmlns:v="urn:schemas-microsoft-com:vml" xmlns:pvml="urn:schemas-microsoft-com:office:powerpoint" xmlns:com="http://schemas.openxmlformats.org/drawingml/2006/compatibility" xmlns:p14="http://schemas.microsoft.com/office/powerpoint/2010/main" xmlns:p15="http://schemas.microsoft.com/office/powerpoint/2012/main" xmlns:ahyp="http://schemas.microsoft.com/office/drawing/2018/hyperlinkcolor" showMasterPhAnim="0" showMasterSp="0">
+  <p:cSld>
+    <p:spTree>
+      <p:nvGrpSpPr>
+        <p:cNvPr id="111" name="Shape 111"/>
+        <p:cNvGrpSpPr/>
+        <p:nvPr/>
+      </p:nvGrpSpPr>
+      <p:grpSpPr>
+        <a:xfrm>
+          <a:off x="0" y="0"/>
+          <a:ext cx="0" cy="0"/>
+          <a:chOff x="0" y="0"/>
+          <a:chExt cx="0" cy="0"/>
+        </a:xfrm>
+      </p:grpSpPr>
+      <p:sp>
+        <p:nvSpPr>
+          <p:cNvPr id="112" name="Google Shape;112;ge8bddbd1e8_0_177:notes"/>
+          <p:cNvSpPr/>
+          <p:nvPr>
+            <p:ph idx="2" type="sldImg"/>
+          </p:nvPr>
+        </p:nvSpPr>
+        <p:spPr>
+          <a:xfrm>
+            <a:off x="381300" y="685800"/>
+            <a:ext cx="6096000" cy="3429000"/>
+          </a:xfrm>
+          <a:custGeom>
+            <a:rect b="b" l="l" r="r" t="t"/>
+            <a:pathLst>
+              <a:path extrusionOk="0" h="120000" w="120000">
+                <a:moveTo>
+                  <a:pt x="0" y="0"/>
+                </a:moveTo>
+                <a:lnTo>
+                  <a:pt x="120000" y="0"/>
+                </a:lnTo>
+                <a:lnTo>
+                  <a:pt x="120000" y="120000"/>
+                </a:lnTo>
+                <a:lnTo>
+                  <a:pt x="0" y="120000"/>
+                </a:lnTo>
+                <a:close/>
+              </a:path>
+            </a:pathLst>
+          </a:custGeom>
+        </p:spPr>
+      </p:sp>
+      <p:sp>
+        <p:nvSpPr>
+          <p:cNvPr id="113" name="Google Shape;113;ge8bddbd1e8_0_177:notes"/>
+          <p:cNvSpPr txBox="1"/>
+          <p:nvPr>
+            <p:ph idx="1" type="body"/>
+          </p:nvPr>
+        </p:nvSpPr>
+        <p:spPr>
+          <a:xfrm>
+            <a:off x="685800" y="4343400"/>
+            <a:ext cx="5486400" cy="4114800"/>
+          </a:xfrm>
+          <a:prstGeom prst="rect">
+            <a:avLst/>
+          </a:prstGeom>
+        </p:spPr>
+        <p:txBody>
+          <a:bodyPr anchorCtr="0" anchor="t" bIns="91425" lIns="91425" spcFirstLastPara="1" rIns="91425" wrap="square" tIns="91425">
+            <a:noAutofit/>
+          </a:bodyPr>
+          <a:lstStyle/>
+          <a:p>
+            <a:pPr indent="0" lvl="0" marL="0" rtl="0" algn="l">
+              <a:spcBef>
+                <a:spcPts val="0"/>
+              </a:spcBef>
+              <a:spcAft>
+                <a:spcPts val="0"/>
+              </a:spcAft>
+              <a:buNone/>
+            </a:pPr>
+            <a:r>
+              <a:t/>
+            </a:r>
+            <a:endParaRPr/>
+          </a:p>
+        </p:txBody>
+      </p:sp>
+    </p:spTree>
+  </p:cSld>
+  <p:clrMapOvr>
+    <a:masterClrMapping/>
+  </p:clrMapOvr>
+</p:notes>
+</file>
+
 <file path=ppt/notesSlides/notesSlide2.xml><?xml version="1.0" encoding="utf-8"?>
 <p:notes xmlns:a="http://schemas.openxmlformats.org/drawingml/2006/main" xmlns:r="http://schemas.openxmlformats.org/officeDocument/2006/relationships" xmlns:mc="http://schemas.openxmlformats.org/markup-compatibility/2006" xmlns:mv="urn:schemas-microsoft-com:mac:vml" xmlns:p="http://schemas.openxmlformats.org/presentationml/2006/main" xmlns:c="http://schemas.openxmlformats.org/drawingml/2006/chart" xmlns:dgm="http://schemas.openxmlformats.org/drawingml/2006/diagram" xmlns:o="urn:schemas-microsoft-com:office:office" xmlns:v="urn:schemas-microsoft-com:vml" xmlns:pvml="urn:schemas-microsoft-com:office:powerpoint" xmlns:com="http://schemas.openxmlformats.org/drawingml/2006/compatibility" xmlns:p14="http://schemas.microsoft.com/office/powerpoint/2010/main" xmlns:p15="http://schemas.microsoft.com/office/powerpoint/2012/main" xmlns:ahyp="http://schemas.microsoft.com/office/drawing/2018/hyperlinkcolor" showMasterPhAnim="0" showMasterSp="0">
   <p:cSld>
@@ -1019,7 +1121,7 @@
       </p:grpSpPr>
       <p:sp>
         <p:nvSpPr>
-          <p:cNvPr id="74" name="Google Shape;74;ge8bddbd1e8_0_160:notes"/>
+          <p:cNvPr id="74" name="Google Shape;74;gead91054fd_0_5:notes"/>
           <p:cNvSpPr/>
           <p:nvPr>
             <p:ph idx="2" type="sldImg"/>
@@ -1054,7 +1156,7 @@
       </p:sp>
       <p:sp>
         <p:nvSpPr>
-          <p:cNvPr id="75" name="Google Shape;75;ge8bddbd1e8_0_160:notes"/>
+          <p:cNvPr id="75" name="Google Shape;75;gead91054fd_0_5:notes"/>
           <p:cNvSpPr txBox="1"/>
           <p:nvPr>
             <p:ph idx="1" type="body"/>
@@ -1118,7 +1220,7 @@
       </p:grpSpPr>
       <p:sp>
         <p:nvSpPr>
-          <p:cNvPr id="80" name="Google Shape;80;ge8bddbd1e8_0_165:notes"/>
+          <p:cNvPr id="80" name="Google Shape;80;gead91054fd_0_10:notes"/>
           <p:cNvSpPr/>
           <p:nvPr>
             <p:ph idx="2" type="sldImg"/>
@@ -1153,7 +1255,7 @@
       </p:sp>
       <p:sp>
         <p:nvSpPr>
-          <p:cNvPr id="81" name="Google Shape;81;ge8bddbd1e8_0_165:notes"/>
+          <p:cNvPr id="81" name="Google Shape;81;gead91054fd_0_10:notes"/>
           <p:cNvSpPr txBox="1"/>
           <p:nvPr>
             <p:ph idx="1" type="body"/>
@@ -1203,7 +1305,7 @@
   <p:cSld>
     <p:spTree>
       <p:nvGrpSpPr>
-        <p:cNvPr id="85" name="Shape 85"/>
+        <p:cNvPr id="86" name="Shape 86"/>
         <p:cNvGrpSpPr/>
         <p:nvPr/>
       </p:nvGrpSpPr>
@@ -1217,7 +1319,7 @@
       </p:grpSpPr>
       <p:sp>
         <p:nvSpPr>
-          <p:cNvPr id="86" name="Google Shape;86;ge8bddbd1e8_0_171:notes"/>
+          <p:cNvPr id="87" name="Google Shape;87;gead91054fd_0_17:notes"/>
           <p:cNvSpPr/>
           <p:nvPr>
             <p:ph idx="2" type="sldImg"/>
@@ -1252,7 +1354,7 @@
       </p:sp>
       <p:sp>
         <p:nvSpPr>
-          <p:cNvPr id="87" name="Google Shape;87;ge8bddbd1e8_0_171:notes"/>
+          <p:cNvPr id="88" name="Google Shape;88;gead91054fd_0_17:notes"/>
           <p:cNvSpPr txBox="1"/>
           <p:nvPr>
             <p:ph idx="1" type="body"/>
@@ -1302,7 +1404,7 @@
   <p:cSld>
     <p:spTree>
       <p:nvGrpSpPr>
-        <p:cNvPr id="92" name="Shape 92"/>
+        <p:cNvPr id="93" name="Shape 93"/>
         <p:cNvGrpSpPr/>
         <p:nvPr/>
       </p:nvGrpSpPr>
@@ -1316,7 +1418,7 @@
       </p:grpSpPr>
       <p:sp>
         <p:nvSpPr>
-          <p:cNvPr id="93" name="Google Shape;93;ge8bddbd1e8_0_177:notes"/>
+          <p:cNvPr id="94" name="Google Shape;94;gead91054fd_0_24:notes"/>
           <p:cNvSpPr/>
           <p:nvPr>
             <p:ph idx="2" type="sldImg"/>
@@ -1351,7 +1453,205 @@
       </p:sp>
       <p:sp>
         <p:nvSpPr>
-          <p:cNvPr id="94" name="Google Shape;94;ge8bddbd1e8_0_177:notes"/>
+          <p:cNvPr id="95" name="Google Shape;95;gead91054fd_0_24:notes"/>
+          <p:cNvSpPr txBox="1"/>
+          <p:nvPr>
+            <p:ph idx="1" type="body"/>
+          </p:nvPr>
+        </p:nvSpPr>
+        <p:spPr>
+          <a:xfrm>
+            <a:off x="685800" y="4343400"/>
+            <a:ext cx="5486400" cy="4114800"/>
+          </a:xfrm>
+          <a:prstGeom prst="rect">
+            <a:avLst/>
+          </a:prstGeom>
+        </p:spPr>
+        <p:txBody>
+          <a:bodyPr anchorCtr="0" anchor="t" bIns="91425" lIns="91425" spcFirstLastPara="1" rIns="91425" wrap="square" tIns="91425">
+            <a:noAutofit/>
+          </a:bodyPr>
+          <a:lstStyle/>
+          <a:p>
+            <a:pPr indent="0" lvl="0" marL="0" rtl="0" algn="l">
+              <a:spcBef>
+                <a:spcPts val="0"/>
+              </a:spcBef>
+              <a:spcAft>
+                <a:spcPts val="0"/>
+              </a:spcAft>
+              <a:buNone/>
+            </a:pPr>
+            <a:r>
+              <a:t/>
+            </a:r>
+            <a:endParaRPr/>
+          </a:p>
+        </p:txBody>
+      </p:sp>
+    </p:spTree>
+  </p:cSld>
+  <p:clrMapOvr>
+    <a:masterClrMapping/>
+  </p:clrMapOvr>
+</p:notes>
+</file>
+
+<file path=ppt/notesSlides/notesSlide8.xml><?xml version="1.0" encoding="utf-8"?>
+<p:notes xmlns:a="http://schemas.openxmlformats.org/drawingml/2006/main" xmlns:r="http://schemas.openxmlformats.org/officeDocument/2006/relationships" xmlns:mc="http://schemas.openxmlformats.org/markup-compatibility/2006" xmlns:mv="urn:schemas-microsoft-com:mac:vml" xmlns:p="http://schemas.openxmlformats.org/presentationml/2006/main" xmlns:c="http://schemas.openxmlformats.org/drawingml/2006/chart" xmlns:dgm="http://schemas.openxmlformats.org/drawingml/2006/diagram" xmlns:o="urn:schemas-microsoft-com:office:office" xmlns:v="urn:schemas-microsoft-com:vml" xmlns:pvml="urn:schemas-microsoft-com:office:powerpoint" xmlns:com="http://schemas.openxmlformats.org/drawingml/2006/compatibility" xmlns:p14="http://schemas.microsoft.com/office/powerpoint/2010/main" xmlns:p15="http://schemas.microsoft.com/office/powerpoint/2012/main" xmlns:ahyp="http://schemas.microsoft.com/office/drawing/2018/hyperlinkcolor" showMasterPhAnim="0" showMasterSp="0">
+  <p:cSld>
+    <p:spTree>
+      <p:nvGrpSpPr>
+        <p:cNvPr id="99" name="Shape 99"/>
+        <p:cNvGrpSpPr/>
+        <p:nvPr/>
+      </p:nvGrpSpPr>
+      <p:grpSpPr>
+        <a:xfrm>
+          <a:off x="0" y="0"/>
+          <a:ext cx="0" cy="0"/>
+          <a:chOff x="0" y="0"/>
+          <a:chExt cx="0" cy="0"/>
+        </a:xfrm>
+      </p:grpSpPr>
+      <p:sp>
+        <p:nvSpPr>
+          <p:cNvPr id="100" name="Google Shape;100;gead91054fd_0_29:notes"/>
+          <p:cNvSpPr/>
+          <p:nvPr>
+            <p:ph idx="2" type="sldImg"/>
+          </p:nvPr>
+        </p:nvSpPr>
+        <p:spPr>
+          <a:xfrm>
+            <a:off x="381300" y="685800"/>
+            <a:ext cx="6096000" cy="3429000"/>
+          </a:xfrm>
+          <a:custGeom>
+            <a:rect b="b" l="l" r="r" t="t"/>
+            <a:pathLst>
+              <a:path extrusionOk="0" h="120000" w="120000">
+                <a:moveTo>
+                  <a:pt x="0" y="0"/>
+                </a:moveTo>
+                <a:lnTo>
+                  <a:pt x="120000" y="0"/>
+                </a:lnTo>
+                <a:lnTo>
+                  <a:pt x="120000" y="120000"/>
+                </a:lnTo>
+                <a:lnTo>
+                  <a:pt x="0" y="120000"/>
+                </a:lnTo>
+                <a:close/>
+              </a:path>
+            </a:pathLst>
+          </a:custGeom>
+        </p:spPr>
+      </p:sp>
+      <p:sp>
+        <p:nvSpPr>
+          <p:cNvPr id="101" name="Google Shape;101;gead91054fd_0_29:notes"/>
+          <p:cNvSpPr txBox="1"/>
+          <p:nvPr>
+            <p:ph idx="1" type="body"/>
+          </p:nvPr>
+        </p:nvSpPr>
+        <p:spPr>
+          <a:xfrm>
+            <a:off x="685800" y="4343400"/>
+            <a:ext cx="5486400" cy="4114800"/>
+          </a:xfrm>
+          <a:prstGeom prst="rect">
+            <a:avLst/>
+          </a:prstGeom>
+        </p:spPr>
+        <p:txBody>
+          <a:bodyPr anchorCtr="0" anchor="t" bIns="91425" lIns="91425" spcFirstLastPara="1" rIns="91425" wrap="square" tIns="91425">
+            <a:noAutofit/>
+          </a:bodyPr>
+          <a:lstStyle/>
+          <a:p>
+            <a:pPr indent="0" lvl="0" marL="0" rtl="0" algn="l">
+              <a:spcBef>
+                <a:spcPts val="0"/>
+              </a:spcBef>
+              <a:spcAft>
+                <a:spcPts val="0"/>
+              </a:spcAft>
+              <a:buNone/>
+            </a:pPr>
+            <a:r>
+              <a:t/>
+            </a:r>
+            <a:endParaRPr/>
+          </a:p>
+        </p:txBody>
+      </p:sp>
+    </p:spTree>
+  </p:cSld>
+  <p:clrMapOvr>
+    <a:masterClrMapping/>
+  </p:clrMapOvr>
+</p:notes>
+</file>
+
+<file path=ppt/notesSlides/notesSlide9.xml><?xml version="1.0" encoding="utf-8"?>
+<p:notes xmlns:a="http://schemas.openxmlformats.org/drawingml/2006/main" xmlns:r="http://schemas.openxmlformats.org/officeDocument/2006/relationships" xmlns:mc="http://schemas.openxmlformats.org/markup-compatibility/2006" xmlns:mv="urn:schemas-microsoft-com:mac:vml" xmlns:p="http://schemas.openxmlformats.org/presentationml/2006/main" xmlns:c="http://schemas.openxmlformats.org/drawingml/2006/chart" xmlns:dgm="http://schemas.openxmlformats.org/drawingml/2006/diagram" xmlns:o="urn:schemas-microsoft-com:office:office" xmlns:v="urn:schemas-microsoft-com:vml" xmlns:pvml="urn:schemas-microsoft-com:office:powerpoint" xmlns:com="http://schemas.openxmlformats.org/drawingml/2006/compatibility" xmlns:p14="http://schemas.microsoft.com/office/powerpoint/2010/main" xmlns:p15="http://schemas.microsoft.com/office/powerpoint/2012/main" xmlns:ahyp="http://schemas.microsoft.com/office/drawing/2018/hyperlinkcolor" showMasterPhAnim="0" showMasterSp="0">
+  <p:cSld>
+    <p:spTree>
+      <p:nvGrpSpPr>
+        <p:cNvPr id="105" name="Shape 105"/>
+        <p:cNvGrpSpPr/>
+        <p:nvPr/>
+      </p:nvGrpSpPr>
+      <p:grpSpPr>
+        <a:xfrm>
+          <a:off x="0" y="0"/>
+          <a:ext cx="0" cy="0"/>
+          <a:chOff x="0" y="0"/>
+          <a:chExt cx="0" cy="0"/>
+        </a:xfrm>
+      </p:grpSpPr>
+      <p:sp>
+        <p:nvSpPr>
+          <p:cNvPr id="106" name="Google Shape;106;ge8bddbd1e8_0_160:notes"/>
+          <p:cNvSpPr/>
+          <p:nvPr>
+            <p:ph idx="2" type="sldImg"/>
+          </p:nvPr>
+        </p:nvSpPr>
+        <p:spPr>
+          <a:xfrm>
+            <a:off x="381300" y="685800"/>
+            <a:ext cx="6096000" cy="3429000"/>
+          </a:xfrm>
+          <a:custGeom>
+            <a:rect b="b" l="l" r="r" t="t"/>
+            <a:pathLst>
+              <a:path extrusionOk="0" h="120000" w="120000">
+                <a:moveTo>
+                  <a:pt x="0" y="0"/>
+                </a:moveTo>
+                <a:lnTo>
+                  <a:pt x="120000" y="0"/>
+                </a:lnTo>
+                <a:lnTo>
+                  <a:pt x="120000" y="120000"/>
+                </a:lnTo>
+                <a:lnTo>
+                  <a:pt x="0" y="120000"/>
+                </a:lnTo>
+                <a:close/>
+              </a:path>
+            </a:pathLst>
+          </a:custGeom>
+        </p:spPr>
+      </p:sp>
+      <p:sp>
+        <p:nvSpPr>
+          <p:cNvPr id="107" name="Google Shape;107;ge8bddbd1e8_0_160:notes"/>
           <p:cNvSpPr txBox="1"/>
           <p:nvPr>
             <p:ph idx="1" type="body"/>
@@ -6726,6 +7026,150 @@
 </p:sld>
 </file>
 
+<file path=ppt/slides/slide10.xml><?xml version="1.0" encoding="utf-8"?>
+<p:sld xmlns:a="http://schemas.openxmlformats.org/drawingml/2006/main" xmlns:r="http://schemas.openxmlformats.org/officeDocument/2006/relationships" xmlns:mc="http://schemas.openxmlformats.org/markup-compatibility/2006" xmlns:mv="urn:schemas-microsoft-com:mac:vml" xmlns:p="http://schemas.openxmlformats.org/presentationml/2006/main" xmlns:c="http://schemas.openxmlformats.org/drawingml/2006/chart" xmlns:dgm="http://schemas.openxmlformats.org/drawingml/2006/diagram" xmlns:o="urn:schemas-microsoft-com:office:office" xmlns:v="urn:schemas-microsoft-com:vml" xmlns:pvml="urn:schemas-microsoft-com:office:powerpoint" xmlns:com="http://schemas.openxmlformats.org/drawingml/2006/compatibility" xmlns:p14="http://schemas.microsoft.com/office/powerpoint/2010/main" xmlns:p15="http://schemas.microsoft.com/office/powerpoint/2012/main" xmlns:ahyp="http://schemas.microsoft.com/office/drawing/2018/hyperlinkcolor">
+  <p:cSld>
+    <p:spTree>
+      <p:nvGrpSpPr>
+        <p:cNvPr id="114" name="Shape 114"/>
+        <p:cNvGrpSpPr/>
+        <p:nvPr/>
+      </p:nvGrpSpPr>
+      <p:grpSpPr>
+        <a:xfrm>
+          <a:off x="0" y="0"/>
+          <a:ext cx="0" cy="0"/>
+          <a:chOff x="0" y="0"/>
+          <a:chExt cx="0" cy="0"/>
+        </a:xfrm>
+      </p:grpSpPr>
+      <p:sp>
+        <p:nvSpPr>
+          <p:cNvPr id="115" name="Google Shape;115;p22"/>
+          <p:cNvSpPr txBox="1"/>
+          <p:nvPr>
+            <p:ph type="title"/>
+          </p:nvPr>
+        </p:nvSpPr>
+        <p:spPr>
+          <a:xfrm>
+            <a:off x="311700" y="445025"/>
+            <a:ext cx="8520600" cy="572700"/>
+          </a:xfrm>
+          <a:prstGeom prst="rect">
+            <a:avLst/>
+          </a:prstGeom>
+        </p:spPr>
+        <p:txBody>
+          <a:bodyPr anchorCtr="0" anchor="t" bIns="91425" lIns="91425" spcFirstLastPara="1" rIns="91425" wrap="square" tIns="91425">
+            <a:normAutofit fontScale="90000"/>
+          </a:bodyPr>
+          <a:lstStyle/>
+          <a:p>
+            <a:pPr indent="0" lvl="0" marL="0" rtl="0" algn="l">
+              <a:spcBef>
+                <a:spcPts val="0"/>
+              </a:spcBef>
+              <a:spcAft>
+                <a:spcPts val="0"/>
+              </a:spcAft>
+              <a:buNone/>
+            </a:pPr>
+            <a:r>
+              <a:rPr lang="en"/>
+              <a:t>Summary and Conclusion</a:t>
+            </a:r>
+            <a:endParaRPr/>
+          </a:p>
+        </p:txBody>
+      </p:sp>
+      <p:sp>
+        <p:nvSpPr>
+          <p:cNvPr id="116" name="Google Shape;116;p22"/>
+          <p:cNvSpPr txBox="1"/>
+          <p:nvPr>
+            <p:ph idx="1" type="body"/>
+          </p:nvPr>
+        </p:nvSpPr>
+        <p:spPr>
+          <a:xfrm>
+            <a:off x="311700" y="1152475"/>
+            <a:ext cx="8520600" cy="3416400"/>
+          </a:xfrm>
+          <a:prstGeom prst="rect">
+            <a:avLst/>
+          </a:prstGeom>
+        </p:spPr>
+        <p:txBody>
+          <a:bodyPr anchorCtr="0" anchor="t" bIns="91425" lIns="91425" spcFirstLastPara="1" rIns="91425" wrap="square" tIns="91425">
+            <a:normAutofit/>
+          </a:bodyPr>
+          <a:lstStyle/>
+          <a:p>
+            <a:pPr indent="-406400" lvl="0" marL="457200" rtl="0" algn="l">
+              <a:spcBef>
+                <a:spcPts val="0"/>
+              </a:spcBef>
+              <a:spcAft>
+                <a:spcPts val="0"/>
+              </a:spcAft>
+              <a:buSzPts val="2800"/>
+              <a:buChar char="-"/>
+            </a:pPr>
+            <a:r>
+              <a:rPr lang="en" sz="2800"/>
+              <a:t>Add</a:t>
+            </a:r>
+            <a:r>
+              <a:rPr lang="en" sz="2800"/>
+              <a:t> a new run, increase the vertical drop by 150 feet, and install an additional chair lift</a:t>
+            </a:r>
+            <a:endParaRPr sz="2800"/>
+          </a:p>
+          <a:p>
+            <a:pPr indent="-406400" lvl="0" marL="457200" rtl="0" algn="l">
+              <a:spcBef>
+                <a:spcPts val="0"/>
+              </a:spcBef>
+              <a:spcAft>
+                <a:spcPts val="0"/>
+              </a:spcAft>
+              <a:buSzPts val="2800"/>
+              <a:buChar char="-"/>
+            </a:pPr>
+            <a:r>
+              <a:rPr lang="en" sz="2800"/>
+              <a:t>Close the least popular current run</a:t>
+            </a:r>
+            <a:endParaRPr sz="2800"/>
+          </a:p>
+          <a:p>
+            <a:pPr indent="-406400" lvl="0" marL="457200" rtl="0" algn="l">
+              <a:spcBef>
+                <a:spcPts val="0"/>
+              </a:spcBef>
+              <a:spcAft>
+                <a:spcPts val="0"/>
+              </a:spcAft>
+              <a:buSzPts val="2800"/>
+              <a:buChar char="-"/>
+            </a:pPr>
+            <a:r>
+              <a:rPr lang="en" sz="2800"/>
+              <a:t>Trial new ticket price of $95 USD</a:t>
+            </a:r>
+            <a:endParaRPr sz="2800"/>
+          </a:p>
+        </p:txBody>
+      </p:sp>
+    </p:spTree>
+  </p:cSld>
+  <p:clrMapOvr>
+    <a:masterClrMapping/>
+  </p:clrMapOvr>
+</p:sld>
+</file>
+
 <file path=ppt/slides/slide2.xml><?xml version="1.0" encoding="utf-8"?>
 <p:sld xmlns:a="http://schemas.openxmlformats.org/drawingml/2006/main" xmlns:r="http://schemas.openxmlformats.org/officeDocument/2006/relationships" xmlns:mc="http://schemas.openxmlformats.org/markup-compatibility/2006" xmlns:mv="urn:schemas-microsoft-com:mac:vml" xmlns:p="http://schemas.openxmlformats.org/presentationml/2006/main" xmlns:c="http://schemas.openxmlformats.org/drawingml/2006/chart" xmlns:dgm="http://schemas.openxmlformats.org/drawingml/2006/diagram" xmlns:o="urn:schemas-microsoft-com:office:office" xmlns:v="urn:schemas-microsoft-com:vml" xmlns:pvml="urn:schemas-microsoft-com:office:powerpoint" xmlns:com="http://schemas.openxmlformats.org/drawingml/2006/compatibility" xmlns:p14="http://schemas.microsoft.com/office/powerpoint/2010/main" xmlns:p15="http://schemas.microsoft.com/office/powerpoint/2012/main" xmlns:ahyp="http://schemas.microsoft.com/office/drawing/2018/hyperlinkcolor">
   <p:cSld>
@@ -7072,7 +7516,7 @@
             </a:pPr>
             <a:r>
               <a:rPr lang="en"/>
-              <a:t>Recommendations and Key Findings</a:t>
+              <a:t>Modeling Results and Analysis</a:t>
             </a:r>
             <a:endParaRPr/>
           </a:p>
@@ -7101,68 +7545,123 @@
           </a:bodyPr>
           <a:lstStyle/>
           <a:p>
-            <a:pPr indent="-406400" lvl="0" marL="457200" rtl="0" algn="l">
-              <a:spcBef>
-                <a:spcPts val="0"/>
-              </a:spcBef>
-              <a:spcAft>
-                <a:spcPts val="0"/>
-              </a:spcAft>
-              <a:buSzPts val="2800"/>
+            <a:pPr indent="-342900" lvl="0" marL="457200" rtl="0" algn="l">
+              <a:spcBef>
+                <a:spcPts val="0"/>
+              </a:spcBef>
+              <a:spcAft>
+                <a:spcPts val="0"/>
+              </a:spcAft>
+              <a:buSzPts val="1800"/>
               <a:buChar char="-"/>
             </a:pPr>
             <a:r>
-              <a:rPr lang="en" sz="2800"/>
-              <a:t>Is Big Mountain pricing their tickets correctly?</a:t>
+              <a:rPr lang="en"/>
+              <a:t>Collected data from all ski resorts in the country</a:t>
             </a:r>
-            <a:endParaRPr sz="2800"/>
+            <a:endParaRPr/>
           </a:p>
           <a:p>
-            <a:pPr indent="0" lvl="0" marL="0" rtl="0" algn="l">
-              <a:spcBef>
-                <a:spcPts val="1200"/>
-              </a:spcBef>
-              <a:spcAft>
-                <a:spcPts val="0"/>
-              </a:spcAft>
-              <a:buNone/>
+            <a:pPr indent="-342900" lvl="0" marL="457200" rtl="0" algn="l">
+              <a:spcBef>
+                <a:spcPts val="0"/>
+              </a:spcBef>
+              <a:spcAft>
+                <a:spcPts val="0"/>
+              </a:spcAft>
+              <a:buSzPts val="1800"/>
+              <a:buChar char="-"/>
             </a:pPr>
             <a:r>
-              <a:rPr lang="en" sz="2800"/>
-              <a:t>Actual Price: $81 USD</a:t>
+              <a:rPr lang="en"/>
+              <a:t>Cleaned data by deleting zero columns</a:t>
             </a:r>
-            <a:endParaRPr sz="2800"/>
+            <a:endParaRPr/>
           </a:p>
           <a:p>
-            <a:pPr indent="0" lvl="0" marL="0" rtl="0" algn="l">
-              <a:spcBef>
-                <a:spcPts val="1200"/>
-              </a:spcBef>
-              <a:spcAft>
-                <a:spcPts val="0"/>
-              </a:spcAft>
-              <a:buNone/>
+            <a:pPr indent="-342900" lvl="0" marL="457200" rtl="0" algn="l">
+              <a:spcBef>
+                <a:spcPts val="0"/>
+              </a:spcBef>
+              <a:spcAft>
+                <a:spcPts val="0"/>
+              </a:spcAft>
+              <a:buSzPts val="1800"/>
+              <a:buChar char="-"/>
             </a:pPr>
             <a:r>
-              <a:rPr lang="en" sz="2800"/>
-              <a:t>Modeled Price: $95.87 USD [mean error 10.39]</a:t>
+              <a:rPr lang="en"/>
+              <a:t>Cleaned data by discarding outliers</a:t>
             </a:r>
-            <a:endParaRPr sz="2800"/>
+            <a:endParaRPr/>
           </a:p>
           <a:p>
-            <a:pPr indent="0" lvl="0" marL="0" rtl="0" algn="l">
-              <a:spcBef>
-                <a:spcPts val="1200"/>
-              </a:spcBef>
-              <a:spcAft>
-                <a:spcPts val="1200"/>
-              </a:spcAft>
-              <a:buNone/>
+            <a:pPr indent="-342900" lvl="0" marL="457200" rtl="0" algn="l">
+              <a:spcBef>
+                <a:spcPts val="0"/>
+              </a:spcBef>
+              <a:spcAft>
+                <a:spcPts val="0"/>
+              </a:spcAft>
+              <a:buSzPts val="1800"/>
+              <a:buChar char="-"/>
             </a:pPr>
             <a:r>
-              <a:t/>
+              <a:rPr lang="en"/>
+              <a:t>Identified main correlates of ticket price, namely </a:t>
             </a:r>
-            <a:endParaRPr sz="2800"/>
+            <a:endParaRPr/>
+          </a:p>
+          <a:p>
+            <a:pPr indent="-317500" lvl="1" marL="914400" rtl="0" algn="l">
+              <a:spcBef>
+                <a:spcPts val="0"/>
+              </a:spcBef>
+              <a:spcAft>
+                <a:spcPts val="0"/>
+              </a:spcAft>
+              <a:buSzPts val="1400"/>
+              <a:buChar char="-"/>
+            </a:pPr>
+            <a:r>
+              <a:rPr lang="en"/>
+              <a:t>Total chairs</a:t>
+            </a:r>
+            <a:endParaRPr/>
+          </a:p>
+          <a:p>
+            <a:pPr indent="-317500" lvl="1" marL="914400" rtl="0" algn="l">
+              <a:spcBef>
+                <a:spcPts val="0"/>
+              </a:spcBef>
+              <a:spcAft>
+                <a:spcPts val="0"/>
+              </a:spcAft>
+              <a:buSzPts val="1400"/>
+              <a:buChar char="-"/>
+            </a:pPr>
+            <a:r>
+              <a:rPr lang="en"/>
+              <a:t>Snowmaking acres</a:t>
+            </a:r>
+            <a:endParaRPr/>
+          </a:p>
+          <a:p>
+            <a:pPr indent="-317500" lvl="1" marL="914400" rtl="0" algn="l">
+              <a:spcBef>
+                <a:spcPts val="0"/>
+              </a:spcBef>
+              <a:spcAft>
+                <a:spcPts val="0"/>
+              </a:spcAft>
+              <a:buSzPts val="1400"/>
+              <a:buChar char="-"/>
+            </a:pPr>
+            <a:r>
+              <a:rPr lang="en"/>
+              <a:t>Total vertical drop of the ski area</a:t>
+            </a:r>
+            <a:endParaRPr/>
           </a:p>
         </p:txBody>
       </p:sp>
@@ -7229,6 +7728,21 @@
             </a:r>
             <a:endParaRPr/>
           </a:p>
+          <a:p>
+            <a:pPr indent="0" lvl="0" marL="0" rtl="0" algn="l">
+              <a:spcBef>
+                <a:spcPts val="0"/>
+              </a:spcBef>
+              <a:spcAft>
+                <a:spcPts val="0"/>
+              </a:spcAft>
+              <a:buNone/>
+            </a:pPr>
+            <a:r>
+              <a:t/>
+            </a:r>
+            <a:endParaRPr/>
+          </a:p>
         </p:txBody>
       </p:sp>
       <p:sp>
@@ -7254,72 +7768,107 @@
           </a:bodyPr>
           <a:lstStyle/>
           <a:p>
-            <a:pPr indent="-406400" lvl="0" marL="457200" rtl="0" algn="l">
-              <a:spcBef>
-                <a:spcPts val="0"/>
-              </a:spcBef>
-              <a:spcAft>
-                <a:spcPts val="0"/>
-              </a:spcAft>
-              <a:buSzPts val="2800"/>
+            <a:pPr indent="-342900" lvl="0" marL="457200" rtl="0" algn="l">
+              <a:spcBef>
+                <a:spcPts val="0"/>
+              </a:spcBef>
+              <a:spcAft>
+                <a:spcPts val="0"/>
+              </a:spcAft>
+              <a:buSzPts val="1800"/>
               <a:buChar char="-"/>
             </a:pPr>
             <a:r>
-              <a:rPr lang="en" sz="2800"/>
-              <a:t>What changes can be made to increase ticket price?</a:t>
+              <a:rPr lang="en"/>
+              <a:t>Optimized hyperparameters with gridsearch</a:t>
             </a:r>
-            <a:endParaRPr sz="2800"/>
+            <a:endParaRPr/>
           </a:p>
           <a:p>
-            <a:pPr indent="0" lvl="0" marL="0" rtl="0" algn="l">
-              <a:spcBef>
-                <a:spcPts val="1200"/>
-              </a:spcBef>
-              <a:spcAft>
-                <a:spcPts val="0"/>
-              </a:spcAft>
-              <a:buNone/>
+            <a:pPr indent="-342900" lvl="0" marL="457200" rtl="0" algn="l">
+              <a:spcBef>
+                <a:spcPts val="0"/>
+              </a:spcBef>
+              <a:spcAft>
+                <a:spcPts val="0"/>
+              </a:spcAft>
+              <a:buSzPts val="1800"/>
+              <a:buChar char="-"/>
             </a:pPr>
             <a:r>
-              <a:rPr lang="en" sz="2800"/>
-              <a:t>Adding a new run, increasing the vertical drop by 150 feet, and installing an additional chair lift.</a:t>
+              <a:rPr lang="en"/>
+              <a:t>Evaluated different models with 5-fold cross-validation</a:t>
             </a:r>
-            <a:endParaRPr sz="2800"/>
+            <a:endParaRPr/>
           </a:p>
           <a:p>
-            <a:pPr indent="0" lvl="0" marL="0" rtl="0" algn="l">
-              <a:spcBef>
-                <a:spcPts val="1200"/>
-              </a:spcBef>
-              <a:spcAft>
-                <a:spcPts val="0"/>
-              </a:spcAft>
-              <a:buNone/>
+            <a:pPr indent="-317500" lvl="1" marL="914400" rtl="0" algn="l">
+              <a:spcBef>
+                <a:spcPts val="0"/>
+              </a:spcBef>
+              <a:spcAft>
+                <a:spcPts val="0"/>
+              </a:spcAft>
+              <a:buSzPts val="1400"/>
+              <a:buChar char="-"/>
             </a:pPr>
             <a:r>
-              <a:rPr lang="en" sz="2800"/>
-              <a:t>Ticket price increase: $2.99 USD</a:t>
+              <a:rPr lang="en"/>
+              <a:t>Random Forest achieved an </a:t>
             </a:r>
-            <a:endParaRPr sz="2800"/>
+            <a:r>
+              <a:rPr lang="en"/>
+              <a:t>R² = .71</a:t>
+            </a:r>
+            <a:endParaRPr/>
           </a:p>
           <a:p>
-            <a:pPr indent="0" lvl="0" marL="0" rtl="0" algn="l">
-              <a:spcBef>
-                <a:spcPts val="1200"/>
-              </a:spcBef>
-              <a:spcAft>
-                <a:spcPts val="1200"/>
-              </a:spcAft>
-              <a:buNone/>
+            <a:pPr indent="-317500" lvl="1" marL="914400" rtl="0" algn="l">
+              <a:spcBef>
+                <a:spcPts val="0"/>
+              </a:spcBef>
+              <a:spcAft>
+                <a:spcPts val="0"/>
+              </a:spcAft>
+              <a:buSzPts val="1400"/>
+              <a:buChar char="-"/>
             </a:pPr>
             <a:r>
-              <a:rPr lang="en" sz="2800"/>
-              <a:t>Expected revenue increase: $3,474,638 USD</a:t>
+              <a:rPr lang="en"/>
+              <a:t>Linear Regression achieved an R² = .63</a:t>
             </a:r>
-            <a:endParaRPr sz="2800"/>
+            <a:endParaRPr/>
           </a:p>
         </p:txBody>
       </p:sp>
+      <p:pic>
+        <p:nvPicPr>
+          <p:cNvPr id="85" name="Google Shape;85;p17"/>
+          <p:cNvPicPr preferRelativeResize="0"/>
+          <p:nvPr/>
+        </p:nvPicPr>
+        <p:blipFill>
+          <a:blip r:embed="rId3">
+            <a:alphaModFix/>
+          </a:blip>
+          <a:stretch>
+            <a:fillRect/>
+          </a:stretch>
+        </p:blipFill>
+        <p:spPr>
+          <a:xfrm>
+            <a:off x="2570500" y="2387150"/>
+            <a:ext cx="3291825" cy="2626150"/>
+          </a:xfrm>
+          <a:prstGeom prst="rect">
+            <a:avLst/>
+          </a:prstGeom>
+          <a:noFill/>
+          <a:ln>
+            <a:noFill/>
+          </a:ln>
+        </p:spPr>
+      </p:pic>
     </p:spTree>
   </p:cSld>
   <p:clrMapOvr>
@@ -7333,7 +7882,7 @@
   <p:cSld>
     <p:spTree>
       <p:nvGrpSpPr>
-        <p:cNvPr id="88" name="Shape 88"/>
+        <p:cNvPr id="89" name="Shape 89"/>
         <p:cNvGrpSpPr/>
         <p:nvPr/>
       </p:nvGrpSpPr>
@@ -7347,7 +7896,7 @@
       </p:grpSpPr>
       <p:sp>
         <p:nvSpPr>
-          <p:cNvPr id="89" name="Google Shape;89;p18"/>
+          <p:cNvPr id="90" name="Google Shape;90;p18"/>
           <p:cNvSpPr txBox="1"/>
           <p:nvPr>
             <p:ph type="title"/>
@@ -7379,7 +7928,7 @@
             </a:pPr>
             <a:r>
               <a:rPr lang="en"/>
-              <a:t>Modeling Results and Analysis</a:t>
+              <a:t>Testing Scenarios</a:t>
             </a:r>
             <a:endParaRPr/>
           </a:p>
@@ -7387,7 +7936,7 @@
       </p:sp>
       <p:sp>
         <p:nvSpPr>
-          <p:cNvPr id="90" name="Google Shape;90;p18"/>
+          <p:cNvPr id="91" name="Google Shape;91;p18"/>
           <p:cNvSpPr txBox="1"/>
           <p:nvPr>
             <p:ph idx="1" type="body"/>
@@ -7395,7 +7944,7 @@
         </p:nvSpPr>
         <p:spPr>
           <a:xfrm>
-            <a:off x="311700" y="1152475"/>
+            <a:off x="227950" y="1110600"/>
             <a:ext cx="8520600" cy="3416400"/>
           </a:xfrm>
           <a:prstGeom prst="rect">
@@ -7408,21 +7957,93 @@
           </a:bodyPr>
           <a:lstStyle/>
           <a:p>
-            <a:pPr indent="-406400" lvl="0" marL="457200" rtl="0" algn="l">
-              <a:spcBef>
-                <a:spcPts val="0"/>
-              </a:spcBef>
-              <a:spcAft>
-                <a:spcPts val="0"/>
-              </a:spcAft>
-              <a:buSzPts val="2800"/>
+            <a:pPr indent="-342900" lvl="0" marL="457200" rtl="0" algn="l">
+              <a:spcBef>
+                <a:spcPts val="0"/>
+              </a:spcBef>
+              <a:spcAft>
+                <a:spcPts val="0"/>
+              </a:spcAft>
+              <a:buSzPts val="1800"/>
               <a:buChar char="-"/>
             </a:pPr>
             <a:r>
-              <a:rPr lang="en" sz="2800"/>
-              <a:t>Closing a single run does not reduce ticket price</a:t>
+              <a:rPr lang="en"/>
+              <a:t>Choose</a:t>
             </a:r>
-            <a:endParaRPr sz="2800"/>
+            <a:r>
+              <a:rPr lang="en"/>
+              <a:t> random forest due to better scores and smaller variance in predictions</a:t>
+            </a:r>
+            <a:endParaRPr/>
+          </a:p>
+          <a:p>
+            <a:pPr indent="-342900" lvl="0" marL="457200" rtl="0" algn="l">
+              <a:spcBef>
+                <a:spcPts val="0"/>
+              </a:spcBef>
+              <a:spcAft>
+                <a:spcPts val="0"/>
+              </a:spcAft>
+              <a:buSzPts val="1800"/>
+              <a:buChar char="-"/>
+            </a:pPr>
+            <a:r>
+              <a:rPr lang="en"/>
+              <a:t>We then run 3 scenarios through the model to predict price change</a:t>
+            </a:r>
+            <a:endParaRPr/>
+          </a:p>
+          <a:p>
+            <a:pPr indent="-342900" lvl="0" marL="457200" rtl="0" algn="l">
+              <a:spcBef>
+                <a:spcPts val="0"/>
+              </a:spcBef>
+              <a:spcAft>
+                <a:spcPts val="0"/>
+              </a:spcAft>
+              <a:buSzPts val="1800"/>
+              <a:buChar char="-"/>
+            </a:pPr>
+            <a:r>
+              <a:rPr lang="en"/>
+              <a:t>Scenario 1</a:t>
+            </a:r>
+            <a:endParaRPr/>
+          </a:p>
+          <a:p>
+            <a:pPr indent="-317500" lvl="1" marL="914400" rtl="0" algn="l">
+              <a:spcBef>
+                <a:spcPts val="0"/>
+              </a:spcBef>
+              <a:spcAft>
+                <a:spcPts val="0"/>
+              </a:spcAft>
+              <a:buSzPts val="1400"/>
+              <a:buChar char="-"/>
+            </a:pPr>
+            <a:r>
+              <a:rPr lang="en"/>
+              <a:t>Close up to 10 of the least used runs.</a:t>
+            </a:r>
+            <a:endParaRPr/>
+          </a:p>
+          <a:p>
+            <a:pPr indent="-317500" lvl="1" marL="914400" rtl="0" algn="l">
+              <a:spcBef>
+                <a:spcPts val="0"/>
+              </a:spcBef>
+              <a:spcAft>
+                <a:spcPts val="0"/>
+              </a:spcAft>
+              <a:buSzPts val="1400"/>
+              <a:buChar char="-"/>
+            </a:pPr>
+            <a:r>
+              <a:rPr lang="en"/>
+              <a:t>Results displayed in graph</a:t>
+            </a:r>
+            <a:endParaRPr/>
           </a:p>
           <a:p>
             <a:pPr indent="0" lvl="0" marL="0" rtl="0" algn="l">
@@ -7443,7 +8064,7 @@
       </p:sp>
       <p:pic>
         <p:nvPicPr>
-          <p:cNvPr id="91" name="Google Shape;91;p18"/>
+          <p:cNvPr id="92" name="Google Shape;92;p18"/>
           <p:cNvPicPr preferRelativeResize="0"/>
           <p:nvPr/>
         </p:nvPicPr>
@@ -7457,8 +8078,8 @@
         </p:blipFill>
         <p:spPr>
           <a:xfrm>
-            <a:off x="3184350" y="1769250"/>
-            <a:ext cx="2775300" cy="2799625"/>
+            <a:off x="4571997" y="2086922"/>
+            <a:ext cx="2365300" cy="2512675"/>
           </a:xfrm>
           <a:prstGeom prst="rect">
             <a:avLst/>
@@ -7482,7 +8103,7 @@
   <p:cSld>
     <p:spTree>
       <p:nvGrpSpPr>
-        <p:cNvPr id="95" name="Shape 95"/>
+        <p:cNvPr id="96" name="Shape 96"/>
         <p:cNvGrpSpPr/>
         <p:nvPr/>
       </p:nvGrpSpPr>
@@ -7496,7 +8117,7 @@
       </p:grpSpPr>
       <p:sp>
         <p:nvSpPr>
-          <p:cNvPr id="96" name="Google Shape;96;p19"/>
+          <p:cNvPr id="97" name="Google Shape;97;p19"/>
           <p:cNvSpPr txBox="1"/>
           <p:nvPr>
             <p:ph type="title"/>
@@ -7528,7 +8149,7 @@
             </a:pPr>
             <a:r>
               <a:rPr lang="en"/>
-              <a:t>Summary and Conclusion</a:t>
+              <a:t>Testing Scenarios</a:t>
             </a:r>
             <a:endParaRPr/>
           </a:p>
@@ -7536,7 +8157,423 @@
       </p:sp>
       <p:sp>
         <p:nvSpPr>
-          <p:cNvPr id="97" name="Google Shape;97;p19"/>
+          <p:cNvPr id="98" name="Google Shape;98;p19"/>
+          <p:cNvSpPr txBox="1"/>
+          <p:nvPr>
+            <p:ph idx="1" type="body"/>
+          </p:nvPr>
+        </p:nvSpPr>
+        <p:spPr>
+          <a:xfrm>
+            <a:off x="311700" y="1152475"/>
+            <a:ext cx="8520600" cy="3416400"/>
+          </a:xfrm>
+          <a:prstGeom prst="rect">
+            <a:avLst/>
+          </a:prstGeom>
+        </p:spPr>
+        <p:txBody>
+          <a:bodyPr anchorCtr="0" anchor="t" bIns="91425" lIns="91425" spcFirstLastPara="1" rIns="91425" wrap="square" tIns="91425">
+            <a:normAutofit/>
+          </a:bodyPr>
+          <a:lstStyle/>
+          <a:p>
+            <a:pPr indent="-342900" lvl="0" marL="457200" rtl="0" algn="l">
+              <a:spcBef>
+                <a:spcPts val="0"/>
+              </a:spcBef>
+              <a:spcAft>
+                <a:spcPts val="0"/>
+              </a:spcAft>
+              <a:buSzPts val="1800"/>
+              <a:buChar char="-"/>
+            </a:pPr>
+            <a:r>
+              <a:rPr lang="en"/>
+              <a:t>Scenario 2</a:t>
+            </a:r>
+            <a:endParaRPr/>
+          </a:p>
+          <a:p>
+            <a:pPr indent="-317500" lvl="1" marL="914400" rtl="0" algn="l">
+              <a:spcBef>
+                <a:spcPts val="0"/>
+              </a:spcBef>
+              <a:spcAft>
+                <a:spcPts val="0"/>
+              </a:spcAft>
+              <a:buSzPts val="1400"/>
+              <a:buChar char="-"/>
+            </a:pPr>
+            <a:r>
+              <a:rPr lang="en"/>
+              <a:t>Adding a run, increasing drop by 150 feet, and installing an additional chair lift</a:t>
+            </a:r>
+            <a:endParaRPr/>
+          </a:p>
+          <a:p>
+            <a:pPr indent="-317500" lvl="1" marL="914400" rtl="0" algn="l">
+              <a:spcBef>
+                <a:spcPts val="0"/>
+              </a:spcBef>
+              <a:spcAft>
+                <a:spcPts val="0"/>
+              </a:spcAft>
+              <a:buSzPts val="1400"/>
+              <a:buChar char="-"/>
+            </a:pPr>
+            <a:r>
+              <a:rPr lang="en"/>
+              <a:t>Result: </a:t>
+            </a:r>
+            <a:endParaRPr/>
+          </a:p>
+          <a:p>
+            <a:pPr indent="-317500" lvl="2" marL="1371600" rtl="0" algn="l">
+              <a:spcBef>
+                <a:spcPts val="0"/>
+              </a:spcBef>
+              <a:spcAft>
+                <a:spcPts val="0"/>
+              </a:spcAft>
+              <a:buSzPts val="1400"/>
+              <a:buChar char="-"/>
+            </a:pPr>
+            <a:r>
+              <a:rPr lang="en"/>
+              <a:t>This scenario increases support for ticket price by $1.99</a:t>
+            </a:r>
+            <a:endParaRPr/>
+          </a:p>
+          <a:p>
+            <a:pPr indent="-317500" lvl="2" marL="1371600" rtl="0" algn="l">
+              <a:spcBef>
+                <a:spcPts val="0"/>
+              </a:spcBef>
+              <a:spcAft>
+                <a:spcPts val="0"/>
+              </a:spcAft>
+              <a:buSzPts val="1400"/>
+              <a:buChar char="-"/>
+            </a:pPr>
+            <a:r>
+              <a:rPr lang="en"/>
+              <a:t>Over the season, this could be expected to amount to $3474638</a:t>
+            </a:r>
+            <a:endParaRPr/>
+          </a:p>
+          <a:p>
+            <a:pPr indent="-342900" lvl="0" marL="457200" rtl="0" algn="l">
+              <a:spcBef>
+                <a:spcPts val="0"/>
+              </a:spcBef>
+              <a:spcAft>
+                <a:spcPts val="0"/>
+              </a:spcAft>
+              <a:buSzPts val="1800"/>
+              <a:buChar char="-"/>
+            </a:pPr>
+            <a:r>
+              <a:rPr lang="en"/>
+              <a:t>Scenario 3</a:t>
+            </a:r>
+            <a:endParaRPr/>
+          </a:p>
+          <a:p>
+            <a:pPr indent="-317500" lvl="1" marL="914400" rtl="0" algn="l">
+              <a:spcBef>
+                <a:spcPts val="0"/>
+              </a:spcBef>
+              <a:spcAft>
+                <a:spcPts val="0"/>
+              </a:spcAft>
+              <a:buSzPts val="1400"/>
+              <a:buChar char="-"/>
+            </a:pPr>
+            <a:r>
+              <a:rPr lang="en"/>
+              <a:t>Adding a run, increasing drop by 150 feet, installing an additional chair lift, and adding 2 acres of snow making </a:t>
+            </a:r>
+            <a:endParaRPr/>
+          </a:p>
+          <a:p>
+            <a:pPr indent="-317500" lvl="1" marL="914400" rtl="0" algn="l">
+              <a:spcBef>
+                <a:spcPts val="0"/>
+              </a:spcBef>
+              <a:spcAft>
+                <a:spcPts val="0"/>
+              </a:spcAft>
+              <a:buSzPts val="1400"/>
+              <a:buChar char="-"/>
+            </a:pPr>
+            <a:r>
+              <a:rPr lang="en"/>
+              <a:t>Result :</a:t>
+            </a:r>
+            <a:endParaRPr/>
+          </a:p>
+          <a:p>
+            <a:pPr indent="-317500" lvl="2" marL="1371600" rtl="0" algn="l">
+              <a:spcBef>
+                <a:spcPts val="0"/>
+              </a:spcBef>
+              <a:spcAft>
+                <a:spcPts val="0"/>
+              </a:spcAft>
+              <a:buSzPts val="1400"/>
+              <a:buChar char="-"/>
+            </a:pPr>
+            <a:r>
+              <a:rPr lang="en"/>
+              <a:t>This scenario increases support for ticket price by $1.99</a:t>
+            </a:r>
+            <a:endParaRPr/>
+          </a:p>
+          <a:p>
+            <a:pPr indent="-317500" lvl="2" marL="1371600" rtl="0" algn="l">
+              <a:spcBef>
+                <a:spcPts val="0"/>
+              </a:spcBef>
+              <a:spcAft>
+                <a:spcPts val="0"/>
+              </a:spcAft>
+              <a:buSzPts val="1400"/>
+              <a:buChar char="-"/>
+            </a:pPr>
+            <a:r>
+              <a:rPr lang="en"/>
+              <a:t>Over the season, this could be expected to amount to $3474638</a:t>
+            </a:r>
+            <a:endParaRPr/>
+          </a:p>
+          <a:p>
+            <a:pPr indent="-317500" lvl="2" marL="1371600" rtl="0" algn="l">
+              <a:spcBef>
+                <a:spcPts val="0"/>
+              </a:spcBef>
+              <a:spcAft>
+                <a:spcPts val="0"/>
+              </a:spcAft>
+              <a:buSzPts val="1400"/>
+              <a:buChar char="-"/>
+            </a:pPr>
+            <a:r>
+              <a:rPr lang="en"/>
+              <a:t>(No difference from scenario 2)</a:t>
+            </a:r>
+            <a:endParaRPr/>
+          </a:p>
+        </p:txBody>
+      </p:sp>
+    </p:spTree>
+  </p:cSld>
+  <p:clrMapOvr>
+    <a:masterClrMapping/>
+  </p:clrMapOvr>
+</p:sld>
+</file>
+
+<file path=ppt/slides/slide8.xml><?xml version="1.0" encoding="utf-8"?>
+<p:sld xmlns:a="http://schemas.openxmlformats.org/drawingml/2006/main" xmlns:r="http://schemas.openxmlformats.org/officeDocument/2006/relationships" xmlns:mc="http://schemas.openxmlformats.org/markup-compatibility/2006" xmlns:mv="urn:schemas-microsoft-com:mac:vml" xmlns:p="http://schemas.openxmlformats.org/presentationml/2006/main" xmlns:c="http://schemas.openxmlformats.org/drawingml/2006/chart" xmlns:dgm="http://schemas.openxmlformats.org/drawingml/2006/diagram" xmlns:o="urn:schemas-microsoft-com:office:office" xmlns:v="urn:schemas-microsoft-com:vml" xmlns:pvml="urn:schemas-microsoft-com:office:powerpoint" xmlns:com="http://schemas.openxmlformats.org/drawingml/2006/compatibility" xmlns:p14="http://schemas.microsoft.com/office/powerpoint/2010/main" xmlns:p15="http://schemas.microsoft.com/office/powerpoint/2012/main" xmlns:ahyp="http://schemas.microsoft.com/office/drawing/2018/hyperlinkcolor">
+  <p:cSld>
+    <p:spTree>
+      <p:nvGrpSpPr>
+        <p:cNvPr id="102" name="Shape 102"/>
+        <p:cNvGrpSpPr/>
+        <p:nvPr/>
+      </p:nvGrpSpPr>
+      <p:grpSpPr>
+        <a:xfrm>
+          <a:off x="0" y="0"/>
+          <a:ext cx="0" cy="0"/>
+          <a:chOff x="0" y="0"/>
+          <a:chExt cx="0" cy="0"/>
+        </a:xfrm>
+      </p:grpSpPr>
+      <p:sp>
+        <p:nvSpPr>
+          <p:cNvPr id="103" name="Google Shape;103;p20"/>
+          <p:cNvSpPr txBox="1"/>
+          <p:nvPr>
+            <p:ph type="title"/>
+          </p:nvPr>
+        </p:nvSpPr>
+        <p:spPr>
+          <a:xfrm>
+            <a:off x="311700" y="445025"/>
+            <a:ext cx="8520600" cy="572700"/>
+          </a:xfrm>
+          <a:prstGeom prst="rect">
+            <a:avLst/>
+          </a:prstGeom>
+        </p:spPr>
+        <p:txBody>
+          <a:bodyPr anchorCtr="0" anchor="t" bIns="91425" lIns="91425" spcFirstLastPara="1" rIns="91425" wrap="square" tIns="91425">
+            <a:normAutofit fontScale="90000"/>
+          </a:bodyPr>
+          <a:lstStyle/>
+          <a:p>
+            <a:pPr indent="0" lvl="0" marL="0" rtl="0" algn="l">
+              <a:spcBef>
+                <a:spcPts val="0"/>
+              </a:spcBef>
+              <a:spcAft>
+                <a:spcPts val="0"/>
+              </a:spcAft>
+              <a:buNone/>
+            </a:pPr>
+            <a:r>
+              <a:rPr lang="en"/>
+              <a:t>Testing Scenarios</a:t>
+            </a:r>
+            <a:endParaRPr/>
+          </a:p>
+        </p:txBody>
+      </p:sp>
+      <p:sp>
+        <p:nvSpPr>
+          <p:cNvPr id="104" name="Google Shape;104;p20"/>
+          <p:cNvSpPr txBox="1"/>
+          <p:nvPr>
+            <p:ph idx="1" type="body"/>
+          </p:nvPr>
+        </p:nvSpPr>
+        <p:spPr>
+          <a:xfrm>
+            <a:off x="311700" y="1152475"/>
+            <a:ext cx="8520600" cy="3416400"/>
+          </a:xfrm>
+          <a:prstGeom prst="rect">
+            <a:avLst/>
+          </a:prstGeom>
+        </p:spPr>
+        <p:txBody>
+          <a:bodyPr anchorCtr="0" anchor="t" bIns="91425" lIns="91425" spcFirstLastPara="1" rIns="91425" wrap="square" tIns="91425">
+            <a:normAutofit/>
+          </a:bodyPr>
+          <a:lstStyle/>
+          <a:p>
+            <a:pPr indent="-393700" lvl="0" marL="457200" rtl="0" algn="l">
+              <a:spcBef>
+                <a:spcPts val="0"/>
+              </a:spcBef>
+              <a:spcAft>
+                <a:spcPts val="0"/>
+              </a:spcAft>
+              <a:buSzPts val="2600"/>
+              <a:buChar char="-"/>
+            </a:pPr>
+            <a:r>
+              <a:rPr lang="en" sz="2600"/>
+              <a:t>Scenario 4</a:t>
+            </a:r>
+            <a:endParaRPr sz="2600"/>
+          </a:p>
+          <a:p>
+            <a:pPr indent="-368300" lvl="1" marL="914400" rtl="0" algn="l">
+              <a:spcBef>
+                <a:spcPts val="0"/>
+              </a:spcBef>
+              <a:spcAft>
+                <a:spcPts val="0"/>
+              </a:spcAft>
+              <a:buSzPts val="2200"/>
+              <a:buChar char="-"/>
+            </a:pPr>
+            <a:r>
+              <a:rPr lang="en" sz="2200"/>
+              <a:t>Increasing the longest run by 0.2 miles and guaranteeing its snow coverage by adding 4 acres of snow making capacity</a:t>
+            </a:r>
+            <a:endParaRPr sz="2200"/>
+          </a:p>
+          <a:p>
+            <a:pPr indent="-368300" lvl="1" marL="914400" rtl="0" algn="l">
+              <a:spcBef>
+                <a:spcPts val="0"/>
+              </a:spcBef>
+              <a:spcAft>
+                <a:spcPts val="0"/>
+              </a:spcAft>
+              <a:buSzPts val="2200"/>
+              <a:buChar char="-"/>
+            </a:pPr>
+            <a:r>
+              <a:rPr lang="en" sz="2200"/>
+              <a:t>Results: No predicted difference in price</a:t>
+            </a:r>
+            <a:endParaRPr sz="2200"/>
+          </a:p>
+        </p:txBody>
+      </p:sp>
+    </p:spTree>
+  </p:cSld>
+  <p:clrMapOvr>
+    <a:masterClrMapping/>
+  </p:clrMapOvr>
+</p:sld>
+</file>
+
+<file path=ppt/slides/slide9.xml><?xml version="1.0" encoding="utf-8"?>
+<p:sld xmlns:a="http://schemas.openxmlformats.org/drawingml/2006/main" xmlns:r="http://schemas.openxmlformats.org/officeDocument/2006/relationships" xmlns:mc="http://schemas.openxmlformats.org/markup-compatibility/2006" xmlns:mv="urn:schemas-microsoft-com:mac:vml" xmlns:p="http://schemas.openxmlformats.org/presentationml/2006/main" xmlns:c="http://schemas.openxmlformats.org/drawingml/2006/chart" xmlns:dgm="http://schemas.openxmlformats.org/drawingml/2006/diagram" xmlns:o="urn:schemas-microsoft-com:office:office" xmlns:v="urn:schemas-microsoft-com:vml" xmlns:pvml="urn:schemas-microsoft-com:office:powerpoint" xmlns:com="http://schemas.openxmlformats.org/drawingml/2006/compatibility" xmlns:p14="http://schemas.microsoft.com/office/powerpoint/2010/main" xmlns:p15="http://schemas.microsoft.com/office/powerpoint/2012/main" xmlns:ahyp="http://schemas.microsoft.com/office/drawing/2018/hyperlinkcolor">
+  <p:cSld>
+    <p:spTree>
+      <p:nvGrpSpPr>
+        <p:cNvPr id="108" name="Shape 108"/>
+        <p:cNvGrpSpPr/>
+        <p:nvPr/>
+      </p:nvGrpSpPr>
+      <p:grpSpPr>
+        <a:xfrm>
+          <a:off x="0" y="0"/>
+          <a:ext cx="0" cy="0"/>
+          <a:chOff x="0" y="0"/>
+          <a:chExt cx="0" cy="0"/>
+        </a:xfrm>
+      </p:grpSpPr>
+      <p:sp>
+        <p:nvSpPr>
+          <p:cNvPr id="109" name="Google Shape;109;p21"/>
+          <p:cNvSpPr txBox="1"/>
+          <p:nvPr>
+            <p:ph type="title"/>
+          </p:nvPr>
+        </p:nvSpPr>
+        <p:spPr>
+          <a:xfrm>
+            <a:off x="311700" y="445025"/>
+            <a:ext cx="8520600" cy="572700"/>
+          </a:xfrm>
+          <a:prstGeom prst="rect">
+            <a:avLst/>
+          </a:prstGeom>
+        </p:spPr>
+        <p:txBody>
+          <a:bodyPr anchorCtr="0" anchor="t" bIns="91425" lIns="91425" spcFirstLastPara="1" rIns="91425" wrap="square" tIns="91425">
+            <a:normAutofit fontScale="90000"/>
+          </a:bodyPr>
+          <a:lstStyle/>
+          <a:p>
+            <a:pPr indent="0" lvl="0" marL="0" rtl="0" algn="l">
+              <a:spcBef>
+                <a:spcPts val="0"/>
+              </a:spcBef>
+              <a:spcAft>
+                <a:spcPts val="0"/>
+              </a:spcAft>
+              <a:buNone/>
+            </a:pPr>
+            <a:r>
+              <a:rPr lang="en"/>
+              <a:t>Recommendations and Key Findings</a:t>
+            </a:r>
+            <a:endParaRPr/>
+          </a:p>
+        </p:txBody>
+      </p:sp>
+      <p:sp>
+        <p:nvSpPr>
+          <p:cNvPr id="110" name="Google Shape;110;p21"/>
           <p:cNvSpPr txBox="1"/>
           <p:nvPr>
             <p:ph idx="1" type="body"/>
@@ -7569,45 +8606,54 @@
             </a:pPr>
             <a:r>
               <a:rPr lang="en" sz="2800"/>
-              <a:t>Add</a:t>
-            </a:r>
-            <a:r>
-              <a:rPr lang="en" sz="2800"/>
-              <a:t> a new run, increase the vertical drop by 150 feet, and install an additional chair lift</a:t>
+              <a:t>Is Big Mountain pricing their tickets correctly?</a:t>
             </a:r>
             <a:endParaRPr sz="2800"/>
           </a:p>
           <a:p>
-            <a:pPr indent="-406400" lvl="0" marL="457200" rtl="0" algn="l">
-              <a:spcBef>
-                <a:spcPts val="0"/>
-              </a:spcBef>
-              <a:spcAft>
-                <a:spcPts val="0"/>
-              </a:spcAft>
-              <a:buSzPts val="2800"/>
-              <a:buChar char="-"/>
+            <a:pPr indent="0" lvl="0" marL="0" rtl="0" algn="l">
+              <a:spcBef>
+                <a:spcPts val="1200"/>
+              </a:spcBef>
+              <a:spcAft>
+                <a:spcPts val="0"/>
+              </a:spcAft>
+              <a:buNone/>
             </a:pPr>
             <a:r>
               <a:rPr lang="en" sz="2800"/>
-              <a:t>Close the least popular current run</a:t>
+              <a:t>Actual Price: $81 USD</a:t>
             </a:r>
             <a:endParaRPr sz="2800"/>
           </a:p>
           <a:p>
-            <a:pPr indent="-406400" lvl="0" marL="457200" rtl="0" algn="l">
-              <a:spcBef>
-                <a:spcPts val="0"/>
-              </a:spcBef>
-              <a:spcAft>
-                <a:spcPts val="0"/>
-              </a:spcAft>
-              <a:buSzPts val="2800"/>
-              <a:buChar char="-"/>
+            <a:pPr indent="0" lvl="0" marL="0" rtl="0" algn="l">
+              <a:spcBef>
+                <a:spcPts val="1200"/>
+              </a:spcBef>
+              <a:spcAft>
+                <a:spcPts val="0"/>
+              </a:spcAft>
+              <a:buNone/>
             </a:pPr>
             <a:r>
               <a:rPr lang="en" sz="2800"/>
-              <a:t>Trial new ticket price of $95 USD</a:t>
+              <a:t>Modeled Price: $95.87 USD [mean error 10.39]</a:t>
+            </a:r>
+            <a:endParaRPr sz="2800"/>
+          </a:p>
+          <a:p>
+            <a:pPr indent="0" lvl="0" marL="0" rtl="0" algn="l">
+              <a:spcBef>
+                <a:spcPts val="1200"/>
+              </a:spcBef>
+              <a:spcAft>
+                <a:spcPts val="1200"/>
+              </a:spcAft>
+              <a:buNone/>
+            </a:pPr>
+            <a:r>
+              <a:t/>
             </a:r>
             <a:endParaRPr sz="2800"/>
           </a:p>
